--- a/workflow.pptx
+++ b/workflow.pptx
@@ -254,7 +254,7 @@
           <a:p>
             <a:fld id="{C0EEC74C-1EA9-4C8A-97CE-E9CD11F64663}" type="datetimeFigureOut">
               <a:rPr lang="en-US" smtClean="0"/>
-              <a:t>5/29/2016</a:t>
+              <a:t>5/31/2016</a:t>
             </a:fld>
             <a:endParaRPr lang="en-US"/>
           </a:p>
@@ -424,7 +424,7 @@
           <a:p>
             <a:fld id="{C0EEC74C-1EA9-4C8A-97CE-E9CD11F64663}" type="datetimeFigureOut">
               <a:rPr lang="en-US" smtClean="0"/>
-              <a:t>5/29/2016</a:t>
+              <a:t>5/31/2016</a:t>
             </a:fld>
             <a:endParaRPr lang="en-US"/>
           </a:p>
@@ -604,7 +604,7 @@
           <a:p>
             <a:fld id="{C0EEC74C-1EA9-4C8A-97CE-E9CD11F64663}" type="datetimeFigureOut">
               <a:rPr lang="en-US" smtClean="0"/>
-              <a:t>5/29/2016</a:t>
+              <a:t>5/31/2016</a:t>
             </a:fld>
             <a:endParaRPr lang="en-US"/>
           </a:p>
@@ -774,7 +774,7 @@
           <a:p>
             <a:fld id="{C0EEC74C-1EA9-4C8A-97CE-E9CD11F64663}" type="datetimeFigureOut">
               <a:rPr lang="en-US" smtClean="0"/>
-              <a:t>5/29/2016</a:t>
+              <a:t>5/31/2016</a:t>
             </a:fld>
             <a:endParaRPr lang="en-US"/>
           </a:p>
@@ -1020,7 +1020,7 @@
           <a:p>
             <a:fld id="{C0EEC74C-1EA9-4C8A-97CE-E9CD11F64663}" type="datetimeFigureOut">
               <a:rPr lang="en-US" smtClean="0"/>
-              <a:t>5/29/2016</a:t>
+              <a:t>5/31/2016</a:t>
             </a:fld>
             <a:endParaRPr lang="en-US"/>
           </a:p>
@@ -1252,7 +1252,7 @@
           <a:p>
             <a:fld id="{C0EEC74C-1EA9-4C8A-97CE-E9CD11F64663}" type="datetimeFigureOut">
               <a:rPr lang="en-US" smtClean="0"/>
-              <a:t>5/29/2016</a:t>
+              <a:t>5/31/2016</a:t>
             </a:fld>
             <a:endParaRPr lang="en-US"/>
           </a:p>
@@ -1619,7 +1619,7 @@
           <a:p>
             <a:fld id="{C0EEC74C-1EA9-4C8A-97CE-E9CD11F64663}" type="datetimeFigureOut">
               <a:rPr lang="en-US" smtClean="0"/>
-              <a:t>5/29/2016</a:t>
+              <a:t>5/31/2016</a:t>
             </a:fld>
             <a:endParaRPr lang="en-US"/>
           </a:p>
@@ -1737,7 +1737,7 @@
           <a:p>
             <a:fld id="{C0EEC74C-1EA9-4C8A-97CE-E9CD11F64663}" type="datetimeFigureOut">
               <a:rPr lang="en-US" smtClean="0"/>
-              <a:t>5/29/2016</a:t>
+              <a:t>5/31/2016</a:t>
             </a:fld>
             <a:endParaRPr lang="en-US"/>
           </a:p>
@@ -1832,7 +1832,7 @@
           <a:p>
             <a:fld id="{C0EEC74C-1EA9-4C8A-97CE-E9CD11F64663}" type="datetimeFigureOut">
               <a:rPr lang="en-US" smtClean="0"/>
-              <a:t>5/29/2016</a:t>
+              <a:t>5/31/2016</a:t>
             </a:fld>
             <a:endParaRPr lang="en-US"/>
           </a:p>
@@ -2109,7 +2109,7 @@
           <a:p>
             <a:fld id="{C0EEC74C-1EA9-4C8A-97CE-E9CD11F64663}" type="datetimeFigureOut">
               <a:rPr lang="en-US" smtClean="0"/>
-              <a:t>5/29/2016</a:t>
+              <a:t>5/31/2016</a:t>
             </a:fld>
             <a:endParaRPr lang="en-US"/>
           </a:p>
@@ -2362,7 +2362,7 @@
           <a:p>
             <a:fld id="{C0EEC74C-1EA9-4C8A-97CE-E9CD11F64663}" type="datetimeFigureOut">
               <a:rPr lang="en-US" smtClean="0"/>
-              <a:t>5/29/2016</a:t>
+              <a:t>5/31/2016</a:t>
             </a:fld>
             <a:endParaRPr lang="en-US"/>
           </a:p>
@@ -2575,7 +2575,7 @@
           <a:p>
             <a:fld id="{C0EEC74C-1EA9-4C8A-97CE-E9CD11F64663}" type="datetimeFigureOut">
               <a:rPr lang="en-US" smtClean="0"/>
-              <a:t>5/29/2016</a:t>
+              <a:t>5/31/2016</a:t>
             </a:fld>
             <a:endParaRPr lang="en-US"/>
           </a:p>
@@ -2988,7 +2988,7 @@
         </p:nvSpPr>
         <p:spPr>
           <a:xfrm>
-            <a:off x="233826" y="2850776"/>
+            <a:off x="85909" y="2850776"/>
             <a:ext cx="1223683" cy="578224"/>
           </a:xfrm>
           <a:prstGeom prst="flowChartMagneticDisk">
@@ -3340,7 +3340,7 @@
         </p:nvSpPr>
         <p:spPr>
           <a:xfrm>
-            <a:off x="1429493" y="2601924"/>
+            <a:off x="1281576" y="2601924"/>
             <a:ext cx="1048871" cy="378068"/>
           </a:xfrm>
           <a:prstGeom prst="rect">
@@ -3387,7 +3387,7 @@
         </p:nvGrpSpPr>
         <p:grpSpPr>
           <a:xfrm>
-            <a:off x="2450350" y="1143000"/>
+            <a:off x="2302433" y="1143000"/>
             <a:ext cx="2180663" cy="3966882"/>
             <a:chOff x="3453650" y="1143000"/>
             <a:chExt cx="2180663" cy="3966882"/>
@@ -3574,7 +3574,7 @@
         </p:nvCxnSpPr>
         <p:spPr>
           <a:xfrm>
-            <a:off x="1457509" y="3139888"/>
+            <a:off x="1309592" y="3139888"/>
             <a:ext cx="992841" cy="0"/>
           </a:xfrm>
           <a:prstGeom prst="straightConnector1">
@@ -3610,8 +3610,8 @@
         </p:nvCxnSpPr>
         <p:spPr>
           <a:xfrm>
-            <a:off x="4631013" y="3126441"/>
-            <a:ext cx="1087721" cy="747"/>
+            <a:off x="4483096" y="3126441"/>
+            <a:ext cx="1235638" cy="747"/>
           </a:xfrm>
           <a:prstGeom prst="straightConnector1">
             <a:avLst/>
@@ -3643,8 +3643,8 @@
         </p:nvSpPr>
         <p:spPr>
           <a:xfrm>
-            <a:off x="4650068" y="2467793"/>
-            <a:ext cx="1232646" cy="646331"/>
+            <a:off x="4502152" y="2434976"/>
+            <a:ext cx="1130291" cy="646331"/>
           </a:xfrm>
           <a:prstGeom prst="rect">
             <a:avLst/>
@@ -3813,7 +3813,7 @@
         </p:nvSpPr>
         <p:spPr>
           <a:xfrm>
-            <a:off x="2554008" y="3596486"/>
+            <a:off x="2406091" y="3596486"/>
             <a:ext cx="1963270" cy="369332"/>
           </a:xfrm>
           <a:prstGeom prst="rect">
@@ -3861,7 +3861,7 @@
         </p:nvSpPr>
         <p:spPr>
           <a:xfrm>
-            <a:off x="2554008" y="2608469"/>
+            <a:off x="2406091" y="2608469"/>
             <a:ext cx="1963270" cy="487455"/>
           </a:xfrm>
           <a:prstGeom prst="rect">
@@ -4106,7 +4106,7 @@
         </p:nvSpPr>
         <p:spPr>
           <a:xfrm>
-            <a:off x="2450351" y="5096667"/>
+            <a:off x="2302434" y="5096667"/>
             <a:ext cx="2199718" cy="369332"/>
           </a:xfrm>
           <a:prstGeom prst="rect">
@@ -4270,6 +4270,59 @@
           </a:fontRef>
         </p:style>
       </p:cxnSp>
+      <p:sp>
+        <p:nvSpPr>
+          <p:cNvPr id="34" name="TextBox 33"/>
+          <p:cNvSpPr txBox="1"/>
+          <p:nvPr/>
+        </p:nvSpPr>
+        <p:spPr>
+          <a:xfrm>
+            <a:off x="4471700" y="3130353"/>
+            <a:ext cx="1264215" cy="646331"/>
+          </a:xfrm>
+          <a:prstGeom prst="rect">
+            <a:avLst/>
+          </a:prstGeom>
+          <a:noFill/>
+          <a:ln>
+            <a:noFill/>
+          </a:ln>
+        </p:spPr>
+        <p:style>
+          <a:lnRef idx="2">
+            <a:schemeClr val="dk1"/>
+          </a:lnRef>
+          <a:fillRef idx="1">
+            <a:schemeClr val="lt1"/>
+          </a:fillRef>
+          <a:effectRef idx="0">
+            <a:schemeClr val="dk1"/>
+          </a:effectRef>
+          <a:fontRef idx="minor">
+            <a:schemeClr val="dk1"/>
+          </a:fontRef>
+        </p:style>
+        <p:txBody>
+          <a:bodyPr wrap="square" rtlCol="0">
+            <a:spAutoFit/>
+          </a:bodyPr>
+          <a:lstStyle/>
+          <a:p>
+            <a:r>
+              <a:rPr lang="en-US" dirty="0" smtClean="0"/>
+              <a:t>Origin/</a:t>
+            </a:r>
+          </a:p>
+          <a:p>
+            <a:r>
+              <a:rPr lang="en-US" dirty="0" smtClean="0"/>
+              <a:t>Destination</a:t>
+            </a:r>
+            <a:endParaRPr lang="en-US" dirty="0"/>
+          </a:p>
+        </p:txBody>
+      </p:sp>
     </p:spTree>
     <p:extLst>
       <p:ext uri="{BB962C8B-B14F-4D97-AF65-F5344CB8AC3E}">

--- a/workflow.pptx
+++ b/workflow.pptx
@@ -107,7 +107,7 @@
   <p:extLst>
     <p:ext uri="{EFAFB233-063F-42B5-8137-9DF3F51BA10A}">
       <p15:sldGuideLst xmlns:p15="http://schemas.microsoft.com/office/powerpoint/2012/main">
-        <p15:guide id="1" orient="horz" pos="2184" userDrawn="1">
+        <p15:guide id="1" orient="horz" pos="2304" userDrawn="1">
           <p15:clr>
             <a:srgbClr val="A4A3A4"/>
           </p15:clr>
@@ -254,7 +254,7 @@
           <a:p>
             <a:fld id="{C0EEC74C-1EA9-4C8A-97CE-E9CD11F64663}" type="datetimeFigureOut">
               <a:rPr lang="en-US" smtClean="0"/>
-              <a:t>5/31/2016</a:t>
+              <a:t>6/23/2016</a:t>
             </a:fld>
             <a:endParaRPr lang="en-US"/>
           </a:p>
@@ -424,7 +424,7 @@
           <a:p>
             <a:fld id="{C0EEC74C-1EA9-4C8A-97CE-E9CD11F64663}" type="datetimeFigureOut">
               <a:rPr lang="en-US" smtClean="0"/>
-              <a:t>5/31/2016</a:t>
+              <a:t>6/23/2016</a:t>
             </a:fld>
             <a:endParaRPr lang="en-US"/>
           </a:p>
@@ -604,7 +604,7 @@
           <a:p>
             <a:fld id="{C0EEC74C-1EA9-4C8A-97CE-E9CD11F64663}" type="datetimeFigureOut">
               <a:rPr lang="en-US" smtClean="0"/>
-              <a:t>5/31/2016</a:t>
+              <a:t>6/23/2016</a:t>
             </a:fld>
             <a:endParaRPr lang="en-US"/>
           </a:p>
@@ -774,7 +774,7 @@
           <a:p>
             <a:fld id="{C0EEC74C-1EA9-4C8A-97CE-E9CD11F64663}" type="datetimeFigureOut">
               <a:rPr lang="en-US" smtClean="0"/>
-              <a:t>5/31/2016</a:t>
+              <a:t>6/23/2016</a:t>
             </a:fld>
             <a:endParaRPr lang="en-US"/>
           </a:p>
@@ -1020,7 +1020,7 @@
           <a:p>
             <a:fld id="{C0EEC74C-1EA9-4C8A-97CE-E9CD11F64663}" type="datetimeFigureOut">
               <a:rPr lang="en-US" smtClean="0"/>
-              <a:t>5/31/2016</a:t>
+              <a:t>6/23/2016</a:t>
             </a:fld>
             <a:endParaRPr lang="en-US"/>
           </a:p>
@@ -1252,7 +1252,7 @@
           <a:p>
             <a:fld id="{C0EEC74C-1EA9-4C8A-97CE-E9CD11F64663}" type="datetimeFigureOut">
               <a:rPr lang="en-US" smtClean="0"/>
-              <a:t>5/31/2016</a:t>
+              <a:t>6/23/2016</a:t>
             </a:fld>
             <a:endParaRPr lang="en-US"/>
           </a:p>
@@ -1619,7 +1619,7 @@
           <a:p>
             <a:fld id="{C0EEC74C-1EA9-4C8A-97CE-E9CD11F64663}" type="datetimeFigureOut">
               <a:rPr lang="en-US" smtClean="0"/>
-              <a:t>5/31/2016</a:t>
+              <a:t>6/23/2016</a:t>
             </a:fld>
             <a:endParaRPr lang="en-US"/>
           </a:p>
@@ -1737,7 +1737,7 @@
           <a:p>
             <a:fld id="{C0EEC74C-1EA9-4C8A-97CE-E9CD11F64663}" type="datetimeFigureOut">
               <a:rPr lang="en-US" smtClean="0"/>
-              <a:t>5/31/2016</a:t>
+              <a:t>6/23/2016</a:t>
             </a:fld>
             <a:endParaRPr lang="en-US"/>
           </a:p>
@@ -1832,7 +1832,7 @@
           <a:p>
             <a:fld id="{C0EEC74C-1EA9-4C8A-97CE-E9CD11F64663}" type="datetimeFigureOut">
               <a:rPr lang="en-US" smtClean="0"/>
-              <a:t>5/31/2016</a:t>
+              <a:t>6/23/2016</a:t>
             </a:fld>
             <a:endParaRPr lang="en-US"/>
           </a:p>
@@ -2109,7 +2109,7 @@
           <a:p>
             <a:fld id="{C0EEC74C-1EA9-4C8A-97CE-E9CD11F64663}" type="datetimeFigureOut">
               <a:rPr lang="en-US" smtClean="0"/>
-              <a:t>5/31/2016</a:t>
+              <a:t>6/23/2016</a:t>
             </a:fld>
             <a:endParaRPr lang="en-US"/>
           </a:p>
@@ -2362,7 +2362,7 @@
           <a:p>
             <a:fld id="{C0EEC74C-1EA9-4C8A-97CE-E9CD11F64663}" type="datetimeFigureOut">
               <a:rPr lang="en-US" smtClean="0"/>
-              <a:t>5/31/2016</a:t>
+              <a:t>6/23/2016</a:t>
             </a:fld>
             <a:endParaRPr lang="en-US"/>
           </a:p>
@@ -2575,7 +2575,7 @@
           <a:p>
             <a:fld id="{C0EEC74C-1EA9-4C8A-97CE-E9CD11F64663}" type="datetimeFigureOut">
               <a:rPr lang="en-US" smtClean="0"/>
-              <a:t>5/31/2016</a:t>
+              <a:t>6/23/2016</a:t>
             </a:fld>
             <a:endParaRPr lang="en-US"/>
           </a:p>
@@ -2988,7 +2988,7 @@
         </p:nvSpPr>
         <p:spPr>
           <a:xfrm>
-            <a:off x="85909" y="2850776"/>
+            <a:off x="-104591" y="3371476"/>
             <a:ext cx="1223683" cy="578224"/>
           </a:xfrm>
           <a:prstGeom prst="flowChartMagneticDisk">
@@ -3031,7 +3031,7 @@
         </p:nvSpPr>
         <p:spPr>
           <a:xfrm>
-            <a:off x="11274800" y="3847727"/>
+            <a:off x="11274800" y="4660527"/>
             <a:ext cx="1369170" cy="887506"/>
           </a:xfrm>
           <a:prstGeom prst="rect">
@@ -3066,272 +3066,256 @@
           </a:p>
         </p:txBody>
       </p:sp>
-      <p:grpSp>
-        <p:nvGrpSpPr>
-          <p:cNvPr id="38" name="Group 37"/>
-          <p:cNvGrpSpPr/>
+      <p:sp>
+        <p:nvSpPr>
+          <p:cNvPr id="5" name="Rectangle 4"/>
+          <p:cNvSpPr/>
           <p:nvPr/>
-        </p:nvGrpSpPr>
-        <p:grpSpPr>
-          <a:xfrm>
-            <a:off x="5718734" y="1483284"/>
-            <a:ext cx="4607861" cy="3287808"/>
-            <a:chOff x="5791199" y="1314451"/>
-            <a:chExt cx="4607861" cy="3287808"/>
-          </a:xfrm>
+        </p:nvSpPr>
+        <p:spPr>
+          <a:xfrm>
+            <a:off x="6878726" y="3418272"/>
+            <a:ext cx="1170457" cy="484632"/>
+          </a:xfrm>
+          <a:prstGeom prst="rect">
+            <a:avLst/>
+          </a:prstGeom>
           <a:noFill/>
-        </p:grpSpPr>
-        <p:sp>
-          <p:nvSpPr>
-            <p:cNvPr id="5" name="Rectangle 4"/>
-            <p:cNvSpPr/>
-            <p:nvPr/>
-          </p:nvSpPr>
-          <p:spPr>
-            <a:xfrm>
-              <a:off x="5791199" y="2716039"/>
-              <a:ext cx="1377950" cy="484632"/>
-            </a:xfrm>
-            <a:prstGeom prst="rect">
-              <a:avLst/>
-            </a:prstGeom>
-            <a:grpFill/>
-          </p:spPr>
-          <p:style>
-            <a:lnRef idx="2">
-              <a:schemeClr val="dk1"/>
-            </a:lnRef>
-            <a:fillRef idx="1">
-              <a:schemeClr val="lt1"/>
-            </a:fillRef>
-            <a:effectRef idx="0">
-              <a:schemeClr val="dk1"/>
-            </a:effectRef>
-            <a:fontRef idx="minor">
-              <a:schemeClr val="dk1"/>
-            </a:fontRef>
-          </p:style>
-          <p:txBody>
-            <a:bodyPr rtlCol="0" anchor="ctr"/>
-            <a:lstStyle/>
-            <a:p>
-              <a:pPr algn="ctr"/>
-              <a:r>
-                <a:rPr lang="en-US" dirty="0" smtClean="0"/>
-                <a:t>Clusters</a:t>
-              </a:r>
-              <a:endParaRPr lang="en-US" dirty="0"/>
-            </a:p>
-          </p:txBody>
-        </p:sp>
-        <p:sp>
-          <p:nvSpPr>
-            <p:cNvPr id="7" name="Rectangle 6"/>
-            <p:cNvSpPr/>
-            <p:nvPr/>
-          </p:nvSpPr>
-          <p:spPr>
-            <a:xfrm>
-              <a:off x="8435790" y="1314451"/>
-              <a:ext cx="1963270" cy="887506"/>
-            </a:xfrm>
-            <a:prstGeom prst="rect">
-              <a:avLst/>
-            </a:prstGeom>
-            <a:grpFill/>
-          </p:spPr>
-          <p:style>
-            <a:lnRef idx="2">
-              <a:schemeClr val="dk1"/>
-            </a:lnRef>
-            <a:fillRef idx="1">
-              <a:schemeClr val="lt1"/>
-            </a:fillRef>
-            <a:effectRef idx="0">
-              <a:schemeClr val="dk1"/>
-            </a:effectRef>
-            <a:fontRef idx="minor">
-              <a:schemeClr val="dk1"/>
-            </a:fontRef>
-          </p:style>
-          <p:txBody>
-            <a:bodyPr rtlCol="0" anchor="ctr"/>
-            <a:lstStyle/>
-            <a:p>
-              <a:pPr algn="ctr"/>
-              <a:r>
-                <a:rPr lang="en-US" dirty="0" smtClean="0"/>
-                <a:t>Number of the clusters</a:t>
-              </a:r>
-              <a:endParaRPr lang="en-US" dirty="0"/>
-            </a:p>
-          </p:txBody>
-        </p:sp>
-        <p:sp>
-          <p:nvSpPr>
-            <p:cNvPr id="8" name="Rectangle 7"/>
-            <p:cNvSpPr/>
-            <p:nvPr/>
-          </p:nvSpPr>
-          <p:spPr>
-            <a:xfrm>
-              <a:off x="8435790" y="2514602"/>
-              <a:ext cx="1963270" cy="887506"/>
-            </a:xfrm>
-            <a:prstGeom prst="rect">
-              <a:avLst/>
-            </a:prstGeom>
-            <a:grpFill/>
-          </p:spPr>
-          <p:style>
-            <a:lnRef idx="2">
-              <a:schemeClr val="dk1"/>
-            </a:lnRef>
-            <a:fillRef idx="1">
-              <a:schemeClr val="lt1"/>
-            </a:fillRef>
-            <a:effectRef idx="0">
-              <a:schemeClr val="dk1"/>
-            </a:effectRef>
-            <a:fontRef idx="minor">
-              <a:schemeClr val="dk1"/>
-            </a:fontRef>
-          </p:style>
-          <p:txBody>
-            <a:bodyPr rtlCol="0" anchor="ctr"/>
-            <a:lstStyle/>
-            <a:p>
-              <a:pPr algn="ctr"/>
-              <a:r>
-                <a:rPr lang="en-US" dirty="0" smtClean="0"/>
-                <a:t>Spatial coverage of the clusters</a:t>
-              </a:r>
-              <a:endParaRPr lang="en-US" dirty="0"/>
-            </a:p>
-          </p:txBody>
-        </p:sp>
-        <p:sp>
-          <p:nvSpPr>
-            <p:cNvPr id="9" name="Rectangle 8"/>
-            <p:cNvSpPr/>
-            <p:nvPr/>
-          </p:nvSpPr>
-          <p:spPr>
-            <a:xfrm>
-              <a:off x="8435790" y="3714753"/>
-              <a:ext cx="1963270" cy="887506"/>
-            </a:xfrm>
-            <a:prstGeom prst="rect">
-              <a:avLst/>
-            </a:prstGeom>
-            <a:grpFill/>
-          </p:spPr>
-          <p:style>
-            <a:lnRef idx="2">
-              <a:schemeClr val="dk1"/>
-            </a:lnRef>
-            <a:fillRef idx="1">
-              <a:schemeClr val="lt1"/>
-            </a:fillRef>
-            <a:effectRef idx="0">
-              <a:schemeClr val="dk1"/>
-            </a:effectRef>
-            <a:fontRef idx="minor">
-              <a:schemeClr val="dk1"/>
-            </a:fontRef>
-          </p:style>
-          <p:txBody>
-            <a:bodyPr rtlCol="0" anchor="ctr"/>
-            <a:lstStyle/>
-            <a:p>
-              <a:pPr algn="ctr"/>
-              <a:r>
-                <a:rPr lang="en-US" dirty="0" smtClean="0"/>
-                <a:t>Size of the clusters</a:t>
-              </a:r>
-              <a:endParaRPr lang="en-US" dirty="0"/>
-            </a:p>
-          </p:txBody>
-        </p:sp>
-        <p:cxnSp>
-          <p:nvCxnSpPr>
-            <p:cNvPr id="25" name="Elbow Connector 24"/>
-            <p:cNvCxnSpPr>
-              <a:stCxn id="5" idx="3"/>
-              <a:endCxn id="7" idx="1"/>
-            </p:cNvCxnSpPr>
-            <p:nvPr/>
-          </p:nvCxnSpPr>
-          <p:spPr>
-            <a:xfrm flipV="1">
-              <a:off x="7169149" y="1758204"/>
-              <a:ext cx="1266641" cy="1200151"/>
-            </a:xfrm>
-            <a:prstGeom prst="bentConnector3">
-              <a:avLst>
-                <a:gd name="adj1" fmla="val 14907"/>
-              </a:avLst>
-            </a:prstGeom>
-            <a:grpFill/>
-            <a:ln>
-              <a:tailEnd type="triangle"/>
-            </a:ln>
-          </p:spPr>
-          <p:style>
-            <a:lnRef idx="2">
-              <a:schemeClr val="dk1"/>
-            </a:lnRef>
-            <a:fillRef idx="1">
-              <a:schemeClr val="lt1"/>
-            </a:fillRef>
-            <a:effectRef idx="0">
-              <a:schemeClr val="dk1"/>
-            </a:effectRef>
-            <a:fontRef idx="minor">
-              <a:schemeClr val="dk1"/>
-            </a:fontRef>
-          </p:style>
-        </p:cxnSp>
-        <p:cxnSp>
-          <p:nvCxnSpPr>
-            <p:cNvPr id="28" name="Elbow Connector 27"/>
-            <p:cNvCxnSpPr>
-              <a:stCxn id="5" idx="3"/>
-              <a:endCxn id="9" idx="1"/>
-            </p:cNvCxnSpPr>
-            <p:nvPr/>
-          </p:nvCxnSpPr>
-          <p:spPr>
-            <a:xfrm>
-              <a:off x="7169149" y="2958355"/>
-              <a:ext cx="1266641" cy="1200151"/>
-            </a:xfrm>
-            <a:prstGeom prst="bentConnector3">
-              <a:avLst>
-                <a:gd name="adj1" fmla="val 15910"/>
-              </a:avLst>
-            </a:prstGeom>
-            <a:grpFill/>
-            <a:ln>
-              <a:tailEnd type="triangle"/>
-            </a:ln>
-          </p:spPr>
-          <p:style>
-            <a:lnRef idx="2">
-              <a:schemeClr val="dk1"/>
-            </a:lnRef>
-            <a:fillRef idx="1">
-              <a:schemeClr val="lt1"/>
-            </a:fillRef>
-            <a:effectRef idx="0">
-              <a:schemeClr val="dk1"/>
-            </a:effectRef>
-            <a:fontRef idx="minor">
-              <a:schemeClr val="dk1"/>
-            </a:fontRef>
-          </p:style>
-        </p:cxnSp>
-      </p:grpSp>
+        </p:spPr>
+        <p:style>
+          <a:lnRef idx="2">
+            <a:schemeClr val="dk1"/>
+          </a:lnRef>
+          <a:fillRef idx="1">
+            <a:schemeClr val="lt1"/>
+          </a:fillRef>
+          <a:effectRef idx="0">
+            <a:schemeClr val="dk1"/>
+          </a:effectRef>
+          <a:fontRef idx="minor">
+            <a:schemeClr val="dk1"/>
+          </a:fontRef>
+        </p:style>
+        <p:txBody>
+          <a:bodyPr rtlCol="0" anchor="ctr"/>
+          <a:lstStyle/>
+          <a:p>
+            <a:pPr algn="ctr"/>
+            <a:r>
+              <a:rPr lang="en-US" dirty="0" smtClean="0"/>
+              <a:t>Clusters</a:t>
+            </a:r>
+            <a:endParaRPr lang="en-US" dirty="0"/>
+          </a:p>
+        </p:txBody>
+      </p:sp>
+      <p:sp>
+        <p:nvSpPr>
+          <p:cNvPr id="7" name="Rectangle 6"/>
+          <p:cNvSpPr/>
+          <p:nvPr/>
+        </p:nvSpPr>
+        <p:spPr>
+          <a:xfrm>
+            <a:off x="8363325" y="1483284"/>
+            <a:ext cx="1963270" cy="887506"/>
+          </a:xfrm>
+          <a:prstGeom prst="rect">
+            <a:avLst/>
+          </a:prstGeom>
+          <a:noFill/>
+        </p:spPr>
+        <p:style>
+          <a:lnRef idx="2">
+            <a:schemeClr val="dk1"/>
+          </a:lnRef>
+          <a:fillRef idx="1">
+            <a:schemeClr val="lt1"/>
+          </a:fillRef>
+          <a:effectRef idx="0">
+            <a:schemeClr val="dk1"/>
+          </a:effectRef>
+          <a:fontRef idx="minor">
+            <a:schemeClr val="dk1"/>
+          </a:fontRef>
+        </p:style>
+        <p:txBody>
+          <a:bodyPr rtlCol="0" anchor="ctr"/>
+          <a:lstStyle/>
+          <a:p>
+            <a:pPr algn="ctr"/>
+            <a:r>
+              <a:rPr lang="en-US" dirty="0" smtClean="0"/>
+              <a:t>Number of the clusters</a:t>
+            </a:r>
+            <a:endParaRPr lang="en-US" dirty="0"/>
+          </a:p>
+        </p:txBody>
+      </p:sp>
+      <p:sp>
+        <p:nvSpPr>
+          <p:cNvPr id="8" name="Rectangle 7"/>
+          <p:cNvSpPr/>
+          <p:nvPr/>
+        </p:nvSpPr>
+        <p:spPr>
+          <a:xfrm>
+            <a:off x="8363325" y="2683435"/>
+            <a:ext cx="1963270" cy="887506"/>
+          </a:xfrm>
+          <a:prstGeom prst="rect">
+            <a:avLst/>
+          </a:prstGeom>
+          <a:noFill/>
+        </p:spPr>
+        <p:style>
+          <a:lnRef idx="2">
+            <a:schemeClr val="dk1"/>
+          </a:lnRef>
+          <a:fillRef idx="1">
+            <a:schemeClr val="lt1"/>
+          </a:fillRef>
+          <a:effectRef idx="0">
+            <a:schemeClr val="dk1"/>
+          </a:effectRef>
+          <a:fontRef idx="minor">
+            <a:schemeClr val="dk1"/>
+          </a:fontRef>
+        </p:style>
+        <p:txBody>
+          <a:bodyPr rtlCol="0" anchor="ctr"/>
+          <a:lstStyle/>
+          <a:p>
+            <a:pPr algn="ctr"/>
+            <a:r>
+              <a:rPr lang="en-US" dirty="0" smtClean="0"/>
+              <a:t>Spatial coverage of the clusters</a:t>
+            </a:r>
+            <a:endParaRPr lang="en-US" dirty="0"/>
+          </a:p>
+        </p:txBody>
+      </p:sp>
+      <p:sp>
+        <p:nvSpPr>
+          <p:cNvPr id="9" name="Rectangle 8"/>
+          <p:cNvSpPr/>
+          <p:nvPr/>
+        </p:nvSpPr>
+        <p:spPr>
+          <a:xfrm>
+            <a:off x="8363325" y="3883586"/>
+            <a:ext cx="1963270" cy="887506"/>
+          </a:xfrm>
+          <a:prstGeom prst="rect">
+            <a:avLst/>
+          </a:prstGeom>
+          <a:noFill/>
+        </p:spPr>
+        <p:style>
+          <a:lnRef idx="2">
+            <a:schemeClr val="dk1"/>
+          </a:lnRef>
+          <a:fillRef idx="1">
+            <a:schemeClr val="lt1"/>
+          </a:fillRef>
+          <a:effectRef idx="0">
+            <a:schemeClr val="dk1"/>
+          </a:effectRef>
+          <a:fontRef idx="minor">
+            <a:schemeClr val="dk1"/>
+          </a:fontRef>
+        </p:style>
+        <p:txBody>
+          <a:bodyPr rtlCol="0" anchor="ctr"/>
+          <a:lstStyle/>
+          <a:p>
+            <a:pPr algn="ctr"/>
+            <a:r>
+              <a:rPr lang="en-US" dirty="0" smtClean="0"/>
+              <a:t>Size of the clusters</a:t>
+            </a:r>
+            <a:endParaRPr lang="en-US" dirty="0"/>
+          </a:p>
+        </p:txBody>
+      </p:sp>
+      <p:cxnSp>
+        <p:nvCxnSpPr>
+          <p:cNvPr id="25" name="Elbow Connector 24"/>
+          <p:cNvCxnSpPr>
+            <a:stCxn id="5" idx="3"/>
+            <a:endCxn id="7" idx="1"/>
+          </p:cNvCxnSpPr>
+          <p:nvPr/>
+        </p:nvCxnSpPr>
+        <p:spPr>
+          <a:xfrm flipV="1">
+            <a:off x="8049183" y="1927037"/>
+            <a:ext cx="314142" cy="1733551"/>
+          </a:xfrm>
+          <a:prstGeom prst="bentConnector3">
+            <a:avLst>
+              <a:gd name="adj1" fmla="val 50000"/>
+            </a:avLst>
+          </a:prstGeom>
+          <a:noFill/>
+          <a:ln>
+            <a:tailEnd type="triangle"/>
+          </a:ln>
+        </p:spPr>
+        <p:style>
+          <a:lnRef idx="2">
+            <a:schemeClr val="dk1"/>
+          </a:lnRef>
+          <a:fillRef idx="1">
+            <a:schemeClr val="lt1"/>
+          </a:fillRef>
+          <a:effectRef idx="0">
+            <a:schemeClr val="dk1"/>
+          </a:effectRef>
+          <a:fontRef idx="minor">
+            <a:schemeClr val="dk1"/>
+          </a:fontRef>
+        </p:style>
+      </p:cxnSp>
+      <p:cxnSp>
+        <p:nvCxnSpPr>
+          <p:cNvPr id="28" name="Elbow Connector 27"/>
+          <p:cNvCxnSpPr>
+            <a:stCxn id="5" idx="3"/>
+            <a:endCxn id="9" idx="1"/>
+          </p:cNvCxnSpPr>
+          <p:nvPr/>
+        </p:nvCxnSpPr>
+        <p:spPr>
+          <a:xfrm>
+            <a:off x="8049183" y="3660588"/>
+            <a:ext cx="314142" cy="666751"/>
+          </a:xfrm>
+          <a:prstGeom prst="bentConnector3">
+            <a:avLst>
+              <a:gd name="adj1" fmla="val 50000"/>
+            </a:avLst>
+          </a:prstGeom>
+          <a:noFill/>
+          <a:ln>
+            <a:tailEnd type="triangle"/>
+          </a:ln>
+        </p:spPr>
+        <p:style>
+          <a:lnRef idx="2">
+            <a:schemeClr val="dk1"/>
+          </a:lnRef>
+          <a:fillRef idx="1">
+            <a:schemeClr val="lt1"/>
+          </a:fillRef>
+          <a:effectRef idx="0">
+            <a:schemeClr val="dk1"/>
+          </a:effectRef>
+          <a:fontRef idx="minor">
+            <a:schemeClr val="dk1"/>
+          </a:fontRef>
+        </p:style>
+      </p:cxnSp>
       <p:sp>
         <p:nvSpPr>
           <p:cNvPr id="36" name="TextBox 35"/>
@@ -3340,7 +3324,7 @@
         </p:nvSpPr>
         <p:spPr>
           <a:xfrm>
-            <a:off x="1281576" y="2601924"/>
+            <a:off x="1091076" y="3122624"/>
             <a:ext cx="1048871" cy="378068"/>
           </a:xfrm>
           <a:prstGeom prst="rect">
@@ -3387,10 +3371,10 @@
         </p:nvGrpSpPr>
         <p:grpSpPr>
           <a:xfrm>
-            <a:off x="2302433" y="1143000"/>
-            <a:ext cx="2180663" cy="3966882"/>
-            <a:chOff x="3453650" y="1143000"/>
-            <a:chExt cx="2180663" cy="3966882"/>
+            <a:off x="2111933" y="1142999"/>
+            <a:ext cx="2180663" cy="5036389"/>
+            <a:chOff x="3453650" y="1142999"/>
+            <a:chExt cx="2180663" cy="5036389"/>
           </a:xfrm>
           <a:noFill/>
         </p:grpSpPr>
@@ -3445,7 +3429,7 @@
           </p:nvSpPr>
           <p:spPr>
             <a:xfrm>
-              <a:off x="3557308" y="4425204"/>
+              <a:off x="3557308" y="5517404"/>
               <a:ext cx="1963270" cy="484632"/>
             </a:xfrm>
             <a:prstGeom prst="rect">
@@ -3531,14 +3515,16 @@
           </p:nvSpPr>
           <p:spPr>
             <a:xfrm>
-              <a:off x="3453650" y="1143000"/>
-              <a:ext cx="2180663" cy="3966882"/>
+              <a:off x="3453650" y="1142999"/>
+              <a:ext cx="2180663" cy="5036389"/>
             </a:xfrm>
             <a:prstGeom prst="rect">
               <a:avLst/>
             </a:prstGeom>
             <a:grpFill/>
-            <a:ln/>
+            <a:ln>
+              <a:prstDash val="dashDot"/>
+            </a:ln>
           </p:spPr>
           <p:style>
             <a:lnRef idx="2">
@@ -3574,7 +3560,7 @@
         </p:nvCxnSpPr>
         <p:spPr>
           <a:xfrm>
-            <a:off x="1309592" y="3139888"/>
+            <a:off x="1119092" y="3660588"/>
             <a:ext cx="992841" cy="0"/>
           </a:xfrm>
           <a:prstGeom prst="straightConnector1">
@@ -3599,42 +3585,6 @@
           </a:fontRef>
         </p:style>
       </p:cxnSp>
-      <p:cxnSp>
-        <p:nvCxnSpPr>
-          <p:cNvPr id="41" name="Straight Arrow Connector 40"/>
-          <p:cNvCxnSpPr>
-            <a:stCxn id="37" idx="3"/>
-            <a:endCxn id="5" idx="1"/>
-          </p:cNvCxnSpPr>
-          <p:nvPr/>
-        </p:nvCxnSpPr>
-        <p:spPr>
-          <a:xfrm>
-            <a:off x="4483096" y="3126441"/>
-            <a:ext cx="1235638" cy="747"/>
-          </a:xfrm>
-          <a:prstGeom prst="straightConnector1">
-            <a:avLst/>
-          </a:prstGeom>
-          <a:ln>
-            <a:tailEnd type="triangle"/>
-          </a:ln>
-        </p:spPr>
-        <p:style>
-          <a:lnRef idx="2">
-            <a:schemeClr val="dk1"/>
-          </a:lnRef>
-          <a:fillRef idx="1">
-            <a:schemeClr val="lt1"/>
-          </a:fillRef>
-          <a:effectRef idx="0">
-            <a:schemeClr val="dk1"/>
-          </a:effectRef>
-          <a:fontRef idx="minor">
-            <a:schemeClr val="dk1"/>
-          </a:fontRef>
-        </p:style>
-      </p:cxnSp>
       <p:sp>
         <p:nvSpPr>
           <p:cNvPr id="47" name="TextBox 46"/>
@@ -3643,8 +3593,8 @@
         </p:nvSpPr>
         <p:spPr>
           <a:xfrm>
-            <a:off x="4502152" y="2434976"/>
-            <a:ext cx="1130291" cy="646331"/>
+            <a:off x="5671386" y="2994933"/>
+            <a:ext cx="1377948" cy="646331"/>
           </a:xfrm>
           <a:prstGeom prst="rect">
             <a:avLst/>
@@ -3691,13 +3641,15 @@
         <p:spPr>
           <a:xfrm>
             <a:off x="5651499" y="1143001"/>
-            <a:ext cx="5029201" cy="3966882"/>
+            <a:ext cx="5029201" cy="3766835"/>
           </a:xfrm>
           <a:prstGeom prst="rect">
             <a:avLst/>
           </a:prstGeom>
-          <a:noFill/>
-          <a:ln/>
+          <a:grpFill/>
+          <a:ln>
+            <a:prstDash val="dashDot"/>
+          </a:ln>
         </p:spPr>
         <p:style>
           <a:lnRef idx="2">
@@ -3722,52 +3674,16 @@
           </a:p>
         </p:txBody>
       </p:sp>
-      <p:cxnSp>
-        <p:nvCxnSpPr>
-          <p:cNvPr id="55" name="Straight Arrow Connector 54"/>
-          <p:cNvCxnSpPr>
-            <a:stCxn id="5" idx="3"/>
-            <a:endCxn id="8" idx="1"/>
-          </p:cNvCxnSpPr>
-          <p:nvPr/>
-        </p:nvCxnSpPr>
-        <p:spPr>
-          <a:xfrm>
-            <a:off x="7096684" y="3127188"/>
-            <a:ext cx="1266641" cy="0"/>
-          </a:xfrm>
-          <a:prstGeom prst="straightConnector1">
-            <a:avLst/>
-          </a:prstGeom>
-          <a:ln>
-            <a:tailEnd type="triangle"/>
-          </a:ln>
-        </p:spPr>
-        <p:style>
-          <a:lnRef idx="2">
-            <a:schemeClr val="dk1"/>
-          </a:lnRef>
-          <a:fillRef idx="1">
-            <a:schemeClr val="lt1"/>
-          </a:fillRef>
-          <a:effectRef idx="0">
-            <a:schemeClr val="dk1"/>
-          </a:effectRef>
-          <a:fontRef idx="minor">
-            <a:schemeClr val="dk1"/>
-          </a:fontRef>
-        </p:style>
-      </p:cxnSp>
-      <p:sp>
-        <p:nvSpPr>
-          <p:cNvPr id="56" name="TextBox 55"/>
+      <p:sp>
+        <p:nvSpPr>
+          <p:cNvPr id="63" name="TextBox 62"/>
           <p:cNvSpPr txBox="1"/>
           <p:nvPr/>
         </p:nvSpPr>
         <p:spPr>
           <a:xfrm>
-            <a:off x="7264399" y="2636698"/>
-            <a:ext cx="1232646" cy="369332"/>
+            <a:off x="2215591" y="3596486"/>
+            <a:ext cx="1963270" cy="369332"/>
           </a:xfrm>
           <a:prstGeom prst="rect">
             <a:avLst/>
@@ -3797,9 +3713,10 @@
           </a:bodyPr>
           <a:lstStyle/>
           <a:p>
+            <a:pPr algn="ctr"/>
             <a:r>
               <a:rPr lang="en-US" dirty="0" smtClean="0"/>
-              <a:t>Alpha hull</a:t>
+              <a:t>…</a:t>
             </a:r>
             <a:endParaRPr lang="en-US" dirty="0"/>
           </a:p>
@@ -3807,22 +3724,19 @@
       </p:sp>
       <p:sp>
         <p:nvSpPr>
-          <p:cNvPr id="63" name="TextBox 62"/>
-          <p:cNvSpPr txBox="1"/>
+          <p:cNvPr id="64" name="Rectangle 63"/>
+          <p:cNvSpPr/>
           <p:nvPr/>
         </p:nvSpPr>
         <p:spPr>
           <a:xfrm>
-            <a:off x="2406091" y="3596486"/>
-            <a:ext cx="1963270" cy="369332"/>
+            <a:off x="2215591" y="2608469"/>
+            <a:ext cx="1963270" cy="487455"/>
           </a:xfrm>
           <a:prstGeom prst="rect">
             <a:avLst/>
           </a:prstGeom>
           <a:noFill/>
-          <a:ln>
-            <a:noFill/>
-          </a:ln>
         </p:spPr>
         <p:style>
           <a:lnRef idx="2">
@@ -3839,15 +3753,13 @@
           </a:fontRef>
         </p:style>
         <p:txBody>
-          <a:bodyPr wrap="square" rtlCol="0">
-            <a:spAutoFit/>
-          </a:bodyPr>
+          <a:bodyPr rtlCol="0" anchor="ctr"/>
           <a:lstStyle/>
           <a:p>
             <a:pPr algn="ctr"/>
             <a:r>
               <a:rPr lang="en-US" dirty="0" smtClean="0"/>
-              <a:t>…</a:t>
+              <a:t>Month 3</a:t>
             </a:r>
             <a:endParaRPr lang="en-US" dirty="0"/>
           </a:p>
@@ -3855,14 +3767,14 @@
       </p:sp>
       <p:sp>
         <p:nvSpPr>
-          <p:cNvPr id="64" name="Rectangle 63"/>
+          <p:cNvPr id="65" name="Rectangle 64"/>
           <p:cNvSpPr/>
           <p:nvPr/>
         </p:nvSpPr>
         <p:spPr>
           <a:xfrm>
-            <a:off x="2406091" y="2608469"/>
-            <a:ext cx="1963270" cy="487455"/>
+            <a:off x="11274800" y="3405572"/>
+            <a:ext cx="1377950" cy="484632"/>
           </a:xfrm>
           <a:prstGeom prst="rect">
             <a:avLst/>
@@ -3890,50 +3802,7 @@
             <a:pPr algn="ctr"/>
             <a:r>
               <a:rPr lang="en-US" dirty="0" smtClean="0"/>
-              <a:t>Month 3</a:t>
-            </a:r>
-            <a:endParaRPr lang="en-US" dirty="0"/>
-          </a:p>
-        </p:txBody>
-      </p:sp>
-      <p:sp>
-        <p:nvSpPr>
-          <p:cNvPr id="65" name="Rectangle 64"/>
-          <p:cNvSpPr/>
-          <p:nvPr/>
-        </p:nvSpPr>
-        <p:spPr>
-          <a:xfrm>
-            <a:off x="11274800" y="2897572"/>
-            <a:ext cx="1377950" cy="484632"/>
-          </a:xfrm>
-          <a:prstGeom prst="rect">
-            <a:avLst/>
-          </a:prstGeom>
-          <a:noFill/>
-        </p:spPr>
-        <p:style>
-          <a:lnRef idx="2">
-            <a:schemeClr val="dk1"/>
-          </a:lnRef>
-          <a:fillRef idx="1">
-            <a:schemeClr val="lt1"/>
-          </a:fillRef>
-          <a:effectRef idx="0">
-            <a:schemeClr val="dk1"/>
-          </a:effectRef>
-          <a:fontRef idx="minor">
-            <a:schemeClr val="dk1"/>
-          </a:fontRef>
-        </p:style>
-        <p:txBody>
-          <a:bodyPr rtlCol="0" anchor="ctr"/>
-          <a:lstStyle/>
-          <a:p>
-            <a:pPr algn="ctr"/>
-            <a:r>
-              <a:rPr lang="en-US" dirty="0" smtClean="0"/>
-              <a:t>Temporal change</a:t>
+              <a:t>Change detection</a:t>
             </a:r>
             <a:endParaRPr lang="en-US" dirty="0"/>
           </a:p>
@@ -3951,7 +3820,7 @@
         <p:spPr>
           <a:xfrm>
             <a:off x="10326595" y="1927037"/>
-            <a:ext cx="948205" cy="1212851"/>
+            <a:ext cx="948205" cy="1720851"/>
           </a:xfrm>
           <a:prstGeom prst="bentConnector3">
             <a:avLst>
@@ -3988,8 +3857,8 @@
         </p:nvCxnSpPr>
         <p:spPr>
           <a:xfrm flipV="1">
-            <a:off x="10326595" y="3139888"/>
-            <a:ext cx="948205" cy="1187451"/>
+            <a:off x="10326595" y="3647888"/>
+            <a:ext cx="948205" cy="679451"/>
           </a:xfrm>
           <a:prstGeom prst="bentConnector3">
             <a:avLst>
@@ -4015,42 +3884,6 @@
           </a:fontRef>
         </p:style>
       </p:cxnSp>
-      <p:cxnSp>
-        <p:nvCxnSpPr>
-          <p:cNvPr id="74" name="Straight Arrow Connector 73"/>
-          <p:cNvCxnSpPr>
-            <a:stCxn id="8" idx="3"/>
-            <a:endCxn id="65" idx="1"/>
-          </p:cNvCxnSpPr>
-          <p:nvPr/>
-        </p:nvCxnSpPr>
-        <p:spPr>
-          <a:xfrm>
-            <a:off x="10326595" y="3127188"/>
-            <a:ext cx="948205" cy="12700"/>
-          </a:xfrm>
-          <a:prstGeom prst="straightConnector1">
-            <a:avLst/>
-          </a:prstGeom>
-          <a:ln>
-            <a:tailEnd type="triangle"/>
-          </a:ln>
-        </p:spPr>
-        <p:style>
-          <a:lnRef idx="2">
-            <a:schemeClr val="dk1"/>
-          </a:lnRef>
-          <a:fillRef idx="1">
-            <a:schemeClr val="lt1"/>
-          </a:fillRef>
-          <a:effectRef idx="0">
-            <a:schemeClr val="dk1"/>
-          </a:effectRef>
-          <a:fontRef idx="minor">
-            <a:schemeClr val="dk1"/>
-          </a:fontRef>
-        </p:style>
-      </p:cxnSp>
       <p:sp>
         <p:nvSpPr>
           <p:cNvPr id="88" name="TextBox 87"/>
@@ -4059,8 +3892,8 @@
         </p:nvSpPr>
         <p:spPr>
           <a:xfrm>
-            <a:off x="5632443" y="5108850"/>
-            <a:ext cx="3269509" cy="369332"/>
+            <a:off x="5670555" y="4904018"/>
+            <a:ext cx="3215148" cy="369332"/>
           </a:xfrm>
           <a:prstGeom prst="rect">
             <a:avLst/>
@@ -4106,7 +3939,7 @@
         </p:nvSpPr>
         <p:spPr>
           <a:xfrm>
-            <a:off x="2302434" y="5096667"/>
+            <a:off x="2106882" y="6192376"/>
             <a:ext cx="2199718" cy="369332"/>
           </a:xfrm>
           <a:prstGeom prst="rect">
@@ -4153,14 +3986,16 @@
         </p:nvSpPr>
         <p:spPr>
           <a:xfrm>
-            <a:off x="10895106" y="1130683"/>
-            <a:ext cx="1864292" cy="3966882"/>
+            <a:off x="10895106" y="1130682"/>
+            <a:ext cx="1864292" cy="5048707"/>
           </a:xfrm>
           <a:prstGeom prst="rect">
             <a:avLst/>
           </a:prstGeom>
-          <a:noFill/>
-          <a:ln/>
+          <a:grpFill/>
+          <a:ln>
+            <a:prstDash val="dashDot"/>
+          </a:ln>
         </p:spPr>
         <p:style>
           <a:lnRef idx="2">
@@ -4193,7 +4028,7 @@
         </p:nvSpPr>
         <p:spPr>
           <a:xfrm>
-            <a:off x="10895107" y="5082152"/>
+            <a:off x="10902297" y="6194606"/>
             <a:ext cx="1864292" cy="369332"/>
           </a:xfrm>
           <a:prstGeom prst="rect">
@@ -4232,44 +4067,6 @@
           </a:p>
         </p:txBody>
       </p:sp>
-      <p:cxnSp>
-        <p:nvCxnSpPr>
-          <p:cNvPr id="93" name="Elbow Connector 92"/>
-          <p:cNvCxnSpPr>
-            <a:stCxn id="11" idx="1"/>
-            <a:endCxn id="65" idx="1"/>
-          </p:cNvCxnSpPr>
-          <p:nvPr/>
-        </p:nvCxnSpPr>
-        <p:spPr>
-          <a:xfrm rot="10800000">
-            <a:off x="11274800" y="3139888"/>
-            <a:ext cx="12700" cy="1151592"/>
-          </a:xfrm>
-          <a:prstGeom prst="bentConnector3">
-            <a:avLst>
-              <a:gd name="adj1" fmla="val 1800000"/>
-            </a:avLst>
-          </a:prstGeom>
-          <a:ln>
-            <a:tailEnd type="triangle"/>
-          </a:ln>
-        </p:spPr>
-        <p:style>
-          <a:lnRef idx="2">
-            <a:schemeClr val="dk1"/>
-          </a:lnRef>
-          <a:fillRef idx="1">
-            <a:schemeClr val="lt1"/>
-          </a:fillRef>
-          <a:effectRef idx="0">
-            <a:schemeClr val="dk1"/>
-          </a:effectRef>
-          <a:fontRef idx="minor">
-            <a:schemeClr val="dk1"/>
-          </a:fontRef>
-        </p:style>
-      </p:cxnSp>
       <p:sp>
         <p:nvSpPr>
           <p:cNvPr id="34" name="TextBox 33"/>
@@ -4278,7 +4075,7 @@
         </p:nvSpPr>
         <p:spPr>
           <a:xfrm>
-            <a:off x="4471700" y="3130353"/>
+            <a:off x="4357678" y="2992962"/>
             <a:ext cx="1264215" cy="646331"/>
           </a:xfrm>
           <a:prstGeom prst="rect">
@@ -4323,6 +4120,276 @@
           </a:p>
         </p:txBody>
       </p:sp>
+      <p:cxnSp>
+        <p:nvCxnSpPr>
+          <p:cNvPr id="3" name="Straight Arrow Connector 2"/>
+          <p:cNvCxnSpPr>
+            <a:stCxn id="11" idx="0"/>
+            <a:endCxn id="65" idx="2"/>
+          </p:cNvCxnSpPr>
+          <p:nvPr/>
+        </p:nvCxnSpPr>
+        <p:spPr>
+          <a:xfrm flipV="1">
+            <a:off x="11959385" y="3890204"/>
+            <a:ext cx="4390" cy="770323"/>
+          </a:xfrm>
+          <a:prstGeom prst="straightConnector1">
+            <a:avLst/>
+          </a:prstGeom>
+          <a:ln>
+            <a:tailEnd type="triangle"/>
+          </a:ln>
+        </p:spPr>
+        <p:style>
+          <a:lnRef idx="2">
+            <a:schemeClr val="dk1"/>
+          </a:lnRef>
+          <a:fillRef idx="1">
+            <a:schemeClr val="lt1"/>
+          </a:fillRef>
+          <a:effectRef idx="0">
+            <a:schemeClr val="dk1"/>
+          </a:effectRef>
+          <a:fontRef idx="minor">
+            <a:schemeClr val="dk1"/>
+          </a:fontRef>
+        </p:style>
+      </p:cxnSp>
+      <p:sp>
+        <p:nvSpPr>
+          <p:cNvPr id="39" name="Rectangle 38"/>
+          <p:cNvSpPr/>
+          <p:nvPr/>
+        </p:nvSpPr>
+        <p:spPr>
+          <a:xfrm>
+            <a:off x="8363325" y="5291884"/>
+            <a:ext cx="1963270" cy="887506"/>
+          </a:xfrm>
+          <a:prstGeom prst="rect">
+            <a:avLst/>
+          </a:prstGeom>
+          <a:noFill/>
+        </p:spPr>
+        <p:style>
+          <a:lnRef idx="2">
+            <a:schemeClr val="dk1"/>
+          </a:lnRef>
+          <a:fillRef idx="1">
+            <a:schemeClr val="lt1"/>
+          </a:fillRef>
+          <a:effectRef idx="0">
+            <a:schemeClr val="dk1"/>
+          </a:effectRef>
+          <a:fontRef idx="minor">
+            <a:schemeClr val="dk1"/>
+          </a:fontRef>
+        </p:style>
+        <p:txBody>
+          <a:bodyPr rtlCol="0" anchor="ctr"/>
+          <a:lstStyle/>
+          <a:p>
+            <a:pPr algn="ctr"/>
+            <a:r>
+              <a:rPr lang="en-US" dirty="0" smtClean="0"/>
+              <a:t>Kernel density</a:t>
+            </a:r>
+            <a:endParaRPr lang="en-US" dirty="0"/>
+          </a:p>
+        </p:txBody>
+      </p:sp>
+      <p:cxnSp>
+        <p:nvCxnSpPr>
+          <p:cNvPr id="42" name="Elbow Connector 41"/>
+          <p:cNvCxnSpPr>
+            <a:stCxn id="37" idx="3"/>
+            <a:endCxn id="39" idx="1"/>
+          </p:cNvCxnSpPr>
+          <p:nvPr/>
+        </p:nvCxnSpPr>
+        <p:spPr>
+          <a:xfrm>
+            <a:off x="4292596" y="3661194"/>
+            <a:ext cx="4070729" cy="2074443"/>
+          </a:xfrm>
+          <a:prstGeom prst="bentConnector3">
+            <a:avLst>
+              <a:gd name="adj1" fmla="val 16930"/>
+            </a:avLst>
+          </a:prstGeom>
+          <a:noFill/>
+          <a:ln>
+            <a:tailEnd type="triangle"/>
+          </a:ln>
+        </p:spPr>
+        <p:style>
+          <a:lnRef idx="2">
+            <a:schemeClr val="dk1"/>
+          </a:lnRef>
+          <a:fillRef idx="1">
+            <a:schemeClr val="lt1"/>
+          </a:fillRef>
+          <a:effectRef idx="0">
+            <a:schemeClr val="dk1"/>
+          </a:effectRef>
+          <a:fontRef idx="minor">
+            <a:schemeClr val="dk1"/>
+          </a:fontRef>
+        </p:style>
+      </p:cxnSp>
+      <p:cxnSp>
+        <p:nvCxnSpPr>
+          <p:cNvPr id="49" name="Elbow Connector 48"/>
+          <p:cNvCxnSpPr>
+            <a:stCxn id="39" idx="3"/>
+            <a:endCxn id="65" idx="1"/>
+          </p:cNvCxnSpPr>
+          <p:nvPr/>
+        </p:nvCxnSpPr>
+        <p:spPr>
+          <a:xfrm flipV="1">
+            <a:off x="10326595" y="3647888"/>
+            <a:ext cx="948205" cy="2087749"/>
+          </a:xfrm>
+          <a:prstGeom prst="bentConnector3">
+            <a:avLst>
+              <a:gd name="adj1" fmla="val 50000"/>
+            </a:avLst>
+          </a:prstGeom>
+          <a:noFill/>
+          <a:ln>
+            <a:tailEnd type="triangle"/>
+          </a:ln>
+        </p:spPr>
+        <p:style>
+          <a:lnRef idx="2">
+            <a:schemeClr val="dk1"/>
+          </a:lnRef>
+          <a:fillRef idx="1">
+            <a:schemeClr val="lt1"/>
+          </a:fillRef>
+          <a:effectRef idx="0">
+            <a:schemeClr val="dk1"/>
+          </a:effectRef>
+          <a:fontRef idx="minor">
+            <a:schemeClr val="dk1"/>
+          </a:fontRef>
+        </p:style>
+      </p:cxnSp>
+      <p:cxnSp>
+        <p:nvCxnSpPr>
+          <p:cNvPr id="58" name="Elbow Connector 57"/>
+          <p:cNvCxnSpPr>
+            <a:stCxn id="5" idx="3"/>
+            <a:endCxn id="8" idx="1"/>
+          </p:cNvCxnSpPr>
+          <p:nvPr/>
+        </p:nvCxnSpPr>
+        <p:spPr>
+          <a:xfrm flipV="1">
+            <a:off x="8049183" y="3127188"/>
+            <a:ext cx="314142" cy="533400"/>
+          </a:xfrm>
+          <a:prstGeom prst="bentConnector3">
+            <a:avLst>
+              <a:gd name="adj1" fmla="val 50000"/>
+            </a:avLst>
+          </a:prstGeom>
+          <a:noFill/>
+          <a:ln>
+            <a:tailEnd type="triangle"/>
+          </a:ln>
+        </p:spPr>
+        <p:style>
+          <a:lnRef idx="2">
+            <a:schemeClr val="dk1"/>
+          </a:lnRef>
+          <a:fillRef idx="1">
+            <a:schemeClr val="lt1"/>
+          </a:fillRef>
+          <a:effectRef idx="0">
+            <a:schemeClr val="dk1"/>
+          </a:effectRef>
+          <a:fontRef idx="minor">
+            <a:schemeClr val="dk1"/>
+          </a:fontRef>
+        </p:style>
+      </p:cxnSp>
+      <p:cxnSp>
+        <p:nvCxnSpPr>
+          <p:cNvPr id="61" name="Straight Arrow Connector 60"/>
+          <p:cNvCxnSpPr>
+            <a:stCxn id="37" idx="3"/>
+            <a:endCxn id="5" idx="1"/>
+          </p:cNvCxnSpPr>
+          <p:nvPr/>
+        </p:nvCxnSpPr>
+        <p:spPr>
+          <a:xfrm flipV="1">
+            <a:off x="4292596" y="3660588"/>
+            <a:ext cx="2586130" cy="606"/>
+          </a:xfrm>
+          <a:prstGeom prst="straightConnector1">
+            <a:avLst/>
+          </a:prstGeom>
+          <a:ln>
+            <a:tailEnd type="triangle"/>
+          </a:ln>
+        </p:spPr>
+        <p:style>
+          <a:lnRef idx="2">
+            <a:schemeClr val="dk1"/>
+          </a:lnRef>
+          <a:fillRef idx="1">
+            <a:schemeClr val="lt1"/>
+          </a:fillRef>
+          <a:effectRef idx="0">
+            <a:schemeClr val="dk1"/>
+          </a:effectRef>
+          <a:fontRef idx="minor">
+            <a:schemeClr val="dk1"/>
+          </a:fontRef>
+        </p:style>
+      </p:cxnSp>
+      <p:cxnSp>
+        <p:nvCxnSpPr>
+          <p:cNvPr id="69" name="Elbow Connector 68"/>
+          <p:cNvCxnSpPr>
+            <a:stCxn id="8" idx="3"/>
+            <a:endCxn id="65" idx="1"/>
+          </p:cNvCxnSpPr>
+          <p:nvPr/>
+        </p:nvCxnSpPr>
+        <p:spPr>
+          <a:xfrm>
+            <a:off x="10326595" y="3127188"/>
+            <a:ext cx="948205" cy="520700"/>
+          </a:xfrm>
+          <a:prstGeom prst="bentConnector3">
+            <a:avLst>
+              <a:gd name="adj1" fmla="val 50000"/>
+            </a:avLst>
+          </a:prstGeom>
+          <a:ln>
+            <a:tailEnd type="triangle"/>
+          </a:ln>
+        </p:spPr>
+        <p:style>
+          <a:lnRef idx="2">
+            <a:schemeClr val="dk1"/>
+          </a:lnRef>
+          <a:fillRef idx="1">
+            <a:schemeClr val="lt1"/>
+          </a:fillRef>
+          <a:effectRef idx="0">
+            <a:schemeClr val="dk1"/>
+          </a:effectRef>
+          <a:fontRef idx="minor">
+            <a:schemeClr val="dk1"/>
+          </a:fontRef>
+        </p:style>
+      </p:cxnSp>
     </p:spTree>
     <p:extLst>
       <p:ext uri="{BB962C8B-B14F-4D97-AF65-F5344CB8AC3E}">
